--- a/manuscript/figures-draft-20141124.pptx
+++ b/manuscript/figures-draft-20141124.pptx
@@ -6657,7 +6657,7 @@
         <p:spPr>
           <a:xfrm>
             <a:off x="1033040" y="6515100"/>
-            <a:ext cx="3092065" cy="369332"/>
+            <a:ext cx="3158878" cy="369332"/>
           </a:xfrm>
           <a:prstGeom prst="rect">
             <a:avLst/>
@@ -6671,14 +6671,18 @@
           <a:lstStyle/>
           <a:p>
             <a:r>
-              <a:rPr lang="en-US" dirty="0" smtClean="0"/>
-              <a:t>Please help </a:t>
-            </a:r>
-            <a:r>
-              <a:rPr lang="en-US" smtClean="0"/>
-              <a:t>to modify, thanks.  </a:t>
-            </a:r>
-            <a:endParaRPr lang="en-US" dirty="0"/>
+              <a:rPr lang="en-US" b="1" dirty="0" smtClean="0">
+                <a:solidFill>
+                  <a:srgbClr val="FF0000"/>
+                </a:solidFill>
+              </a:rPr>
+              <a:t>Please help to modify, thanks.  </a:t>
+            </a:r>
+            <a:endParaRPr lang="en-US" b="1" dirty="0">
+              <a:solidFill>
+                <a:srgbClr val="FF0000"/>
+              </a:solidFill>
+            </a:endParaRPr>
           </a:p>
         </p:txBody>
       </p:sp>
@@ -6787,7 +6791,7 @@
       </p:sp>
       <p:pic>
         <p:nvPicPr>
-          <p:cNvPr id="10" name="Picture 9"/>
+          <p:cNvPr id="5" name="Picture 4"/>
           <p:cNvPicPr>
             <a:picLocks noChangeAspect="1"/>
           </p:cNvPicPr>
@@ -6807,14 +6811,52 @@
         </p:blipFill>
         <p:spPr>
           <a:xfrm>
-            <a:off x="1371600" y="233362"/>
-            <a:ext cx="6400800" cy="6391275"/>
+            <a:off x="1133084" y="9525"/>
+            <a:ext cx="7315592" cy="6828161"/>
           </a:xfrm>
           <a:prstGeom prst="rect">
             <a:avLst/>
           </a:prstGeom>
         </p:spPr>
       </p:pic>
+      <p:sp>
+        <p:nvSpPr>
+          <p:cNvPr id="7" name="TextBox 6"/>
+          <p:cNvSpPr txBox="1"/>
+          <p:nvPr/>
+        </p:nvSpPr>
+        <p:spPr>
+          <a:xfrm>
+            <a:off x="1033040" y="6515100"/>
+            <a:ext cx="3046860" cy="369332"/>
+          </a:xfrm>
+          <a:prstGeom prst="rect">
+            <a:avLst/>
+          </a:prstGeom>
+          <a:noFill/>
+        </p:spPr>
+        <p:txBody>
+          <a:bodyPr wrap="none" rtlCol="0">
+            <a:spAutoFit/>
+          </a:bodyPr>
+          <a:lstStyle/>
+          <a:p>
+            <a:r>
+              <a:rPr lang="en-US" b="1" dirty="0" smtClean="0">
+                <a:solidFill>
+                  <a:srgbClr val="FF0000"/>
+                </a:solidFill>
+              </a:rPr>
+              <a:t>Note: FYI, this is newly made  </a:t>
+            </a:r>
+            <a:endParaRPr lang="en-US" b="1" dirty="0">
+              <a:solidFill>
+                <a:srgbClr val="FF0000"/>
+              </a:solidFill>
+            </a:endParaRPr>
+          </a:p>
+        </p:txBody>
+      </p:sp>
     </p:spTree>
     <p:extLst>
       <p:ext uri="{BB962C8B-B14F-4D97-AF65-F5344CB8AC3E}">
